--- a/Presentacion/Moodle Chapters.pptx
+++ b/Presentacion/Moodle Chapters.pptx
@@ -8,6 +8,7 @@
     <p:sldId id="258" r:id="rId2"/>
     <p:sldId id="256" r:id="rId3"/>
     <p:sldId id="257" r:id="rId4"/>
+    <p:sldId id="259" r:id="rId5"/>
   </p:sldIdLst>
   <p:sldSz cx="12192000" cy="6858000"/>
   <p:notesSz cx="6858000" cy="9144000"/>
@@ -106,6 +107,11 @@
       </a:defRPr>
     </a:lvl9pPr>
   </p:defaultTextStyle>
+  <p:extLst>
+    <p:ext uri="{EFAFB233-063F-42B5-8137-9DF3F51BA10A}">
+      <p15:sldGuideLst xmlns:p15="http://schemas.microsoft.com/office/powerpoint/2012/main"/>
+    </p:ext>
+  </p:extLst>
 </p:presentation>
 </file>
 
@@ -444,7 +450,7 @@
           <a:p>
             <a:fld id="{A62DAB4D-6F7B-476E-ADA3-FFC41A9F40F4}" type="datetimeFigureOut">
               <a:rPr lang="en-US" smtClean="0"/>
-              <a:t>9/28/2020</a:t>
+              <a:t>10/17/2020</a:t>
             </a:fld>
             <a:endParaRPr lang="en-US"/>
           </a:p>
@@ -1532,7 +1538,7 @@
           <a:p>
             <a:fld id="{A62DAB4D-6F7B-476E-ADA3-FFC41A9F40F4}" type="datetimeFigureOut">
               <a:rPr lang="en-US" smtClean="0"/>
-              <a:t>9/28/2020</a:t>
+              <a:t>10/17/2020</a:t>
             </a:fld>
             <a:endParaRPr lang="en-US"/>
           </a:p>
@@ -2512,7 +2518,7 @@
           <a:p>
             <a:fld id="{A62DAB4D-6F7B-476E-ADA3-FFC41A9F40F4}" type="datetimeFigureOut">
               <a:rPr lang="en-US" smtClean="0"/>
-              <a:t>9/28/2020</a:t>
+              <a:t>10/17/2020</a:t>
             </a:fld>
             <a:endParaRPr lang="en-US"/>
           </a:p>
@@ -3646,7 +3652,7 @@
           <a:p>
             <a:fld id="{A62DAB4D-6F7B-476E-ADA3-FFC41A9F40F4}" type="datetimeFigureOut">
               <a:rPr lang="en-US" smtClean="0"/>
-              <a:t>9/28/2020</a:t>
+              <a:t>10/17/2020</a:t>
             </a:fld>
             <a:endParaRPr lang="en-US"/>
           </a:p>
@@ -4679,7 +4685,7 @@
           <a:p>
             <a:fld id="{A62DAB4D-6F7B-476E-ADA3-FFC41A9F40F4}" type="datetimeFigureOut">
               <a:rPr lang="en-US" smtClean="0"/>
-              <a:t>9/28/2020</a:t>
+              <a:t>10/17/2020</a:t>
             </a:fld>
             <a:endParaRPr lang="en-US"/>
           </a:p>
@@ -5339,7 +5345,7 @@
           <a:p>
             <a:fld id="{A62DAB4D-6F7B-476E-ADA3-FFC41A9F40F4}" type="datetimeFigureOut">
               <a:rPr lang="en-US" smtClean="0"/>
-              <a:t>9/28/2020</a:t>
+              <a:t>10/17/2020</a:t>
             </a:fld>
             <a:endParaRPr lang="en-US"/>
           </a:p>
@@ -6200,7 +6206,7 @@
           <a:p>
             <a:fld id="{A62DAB4D-6F7B-476E-ADA3-FFC41A9F40F4}" type="datetimeFigureOut">
               <a:rPr lang="en-US" smtClean="0"/>
-              <a:t>9/28/2020</a:t>
+              <a:t>10/17/2020</a:t>
             </a:fld>
             <a:endParaRPr lang="en-US"/>
           </a:p>
@@ -6390,7 +6396,7 @@
           <a:p>
             <a:fld id="{A62DAB4D-6F7B-476E-ADA3-FFC41A9F40F4}" type="datetimeFigureOut">
               <a:rPr lang="en-US" smtClean="0"/>
-              <a:t>9/28/2020</a:t>
+              <a:t>10/17/2020</a:t>
             </a:fld>
             <a:endParaRPr lang="en-US"/>
           </a:p>
@@ -7362,7 +7368,7 @@
           <a:p>
             <a:fld id="{A62DAB4D-6F7B-476E-ADA3-FFC41A9F40F4}" type="datetimeFigureOut">
               <a:rPr lang="en-US" smtClean="0"/>
-              <a:t>9/28/2020</a:t>
+              <a:t>10/17/2020</a:t>
             </a:fld>
             <a:endParaRPr lang="en-US"/>
           </a:p>
@@ -7573,7 +7579,7 @@
           <a:p>
             <a:fld id="{A62DAB4D-6F7B-476E-ADA3-FFC41A9F40F4}" type="datetimeFigureOut">
               <a:rPr lang="en-US" smtClean="0"/>
-              <a:t>9/28/2020</a:t>
+              <a:t>10/17/2020</a:t>
             </a:fld>
             <a:endParaRPr lang="en-US"/>
           </a:p>
@@ -8607,7 +8613,7 @@
           <a:p>
             <a:fld id="{A62DAB4D-6F7B-476E-ADA3-FFC41A9F40F4}" type="datetimeFigureOut">
               <a:rPr lang="en-US" smtClean="0"/>
-              <a:t>9/28/2020</a:t>
+              <a:t>10/17/2020</a:t>
             </a:fld>
             <a:endParaRPr lang="en-US"/>
           </a:p>
@@ -8879,7 +8885,7 @@
           <a:p>
             <a:fld id="{A62DAB4D-6F7B-476E-ADA3-FFC41A9F40F4}" type="datetimeFigureOut">
               <a:rPr lang="en-US" smtClean="0"/>
-              <a:t>9/28/2020</a:t>
+              <a:t>10/17/2020</a:t>
             </a:fld>
             <a:endParaRPr lang="en-US"/>
           </a:p>
@@ -9289,7 +9295,7 @@
           <a:p>
             <a:fld id="{A62DAB4D-6F7B-476E-ADA3-FFC41A9F40F4}" type="datetimeFigureOut">
               <a:rPr lang="en-US" smtClean="0"/>
-              <a:t>9/28/2020</a:t>
+              <a:t>10/17/2020</a:t>
             </a:fld>
             <a:endParaRPr lang="en-US"/>
           </a:p>
@@ -9416,7 +9422,7 @@
           <a:p>
             <a:fld id="{A62DAB4D-6F7B-476E-ADA3-FFC41A9F40F4}" type="datetimeFigureOut">
               <a:rPr lang="en-US" smtClean="0"/>
-              <a:t>9/28/2020</a:t>
+              <a:t>10/17/2020</a:t>
             </a:fld>
             <a:endParaRPr lang="en-US"/>
           </a:p>
@@ -9511,7 +9517,7 @@
           <a:p>
             <a:fld id="{A62DAB4D-6F7B-476E-ADA3-FFC41A9F40F4}" type="datetimeFigureOut">
               <a:rPr lang="en-US" smtClean="0"/>
-              <a:t>9/28/2020</a:t>
+              <a:t>10/17/2020</a:t>
             </a:fld>
             <a:endParaRPr lang="en-US"/>
           </a:p>
@@ -10592,7 +10598,7 @@
           <a:p>
             <a:fld id="{A62DAB4D-6F7B-476E-ADA3-FFC41A9F40F4}" type="datetimeFigureOut">
               <a:rPr lang="en-US" smtClean="0"/>
-              <a:t>9/28/2020</a:t>
+              <a:t>10/17/2020</a:t>
             </a:fld>
             <a:endParaRPr lang="en-US"/>
           </a:p>
@@ -11700,7 +11706,7 @@
           <a:p>
             <a:fld id="{A62DAB4D-6F7B-476E-ADA3-FFC41A9F40F4}" type="datetimeFigureOut">
               <a:rPr lang="en-US" smtClean="0"/>
-              <a:t>9/28/2020</a:t>
+              <a:t>10/17/2020</a:t>
             </a:fld>
             <a:endParaRPr lang="en-US"/>
           </a:p>
@@ -12697,7 +12703,7 @@
           <a:p>
             <a:fld id="{A62DAB4D-6F7B-476E-ADA3-FFC41A9F40F4}" type="datetimeFigureOut">
               <a:rPr lang="en-US" smtClean="0"/>
-              <a:t>9/28/2020</a:t>
+              <a:t>10/17/2020</a:t>
             </a:fld>
             <a:endParaRPr lang="en-US"/>
           </a:p>
@@ -13515,49 +13521,22 @@
               <a:rPr lang="en-US" dirty="0"/>
             </a:br>
             <a:r>
-              <a:rPr lang="en-US" sz="2200" dirty="0"/>
-              <a:t>[</a:t>
+              <a:rPr lang="en-US" dirty="0"/>
+              <a:t>y </a:t>
             </a:r>
             <a:r>
-              <a:rPr lang="en-US" sz="2200" dirty="0" err="1"/>
-              <a:t>Librerías</a:t>
+              <a:rPr lang="en-US" dirty="0" err="1"/>
+              <a:t>Agentes</a:t>
             </a:r>
             <a:r>
-              <a:rPr lang="en-US" sz="2200" dirty="0"/>
-              <a:t>, </a:t>
+              <a:rPr lang="en-US" dirty="0"/>
+              <a:t> de </a:t>
             </a:r>
             <a:r>
-              <a:rPr lang="en-US" sz="2200" dirty="0" err="1"/>
-              <a:t>Github</a:t>
+              <a:rPr lang="en-US" dirty="0" err="1"/>
+              <a:t>Búsqueda</a:t>
             </a:r>
-            <a:r>
-              <a:rPr lang="en-US" sz="2200" dirty="0"/>
-              <a:t>, Bash, Linux, Algebra </a:t>
-            </a:r>
-            <a:r>
-              <a:rPr lang="en-US" sz="2200" dirty="0" err="1"/>
-              <a:t>Vectorial</a:t>
-            </a:r>
-            <a:r>
-              <a:rPr lang="en-US" sz="2200" dirty="0"/>
-              <a:t>, </a:t>
-            </a:r>
-            <a:r>
-              <a:rPr lang="en-US" sz="2200" dirty="0" err="1"/>
-              <a:t>Matricial</a:t>
-            </a:r>
-            <a:r>
-              <a:rPr lang="en-US" sz="2200" dirty="0"/>
-              <a:t> y </a:t>
-            </a:r>
-            <a:r>
-              <a:rPr lang="en-US" sz="2200" dirty="0" err="1"/>
-              <a:t>Cálculo</a:t>
-            </a:r>
-            <a:r>
-              <a:rPr lang="en-US" sz="2200" dirty="0"/>
-              <a:t>]</a:t>
-            </a:r>
+            <a:endParaRPr lang="en-US" sz="2200" dirty="0"/>
           </a:p>
         </p:txBody>
       </p:sp>
@@ -13590,6 +13569,90 @@
     <p:extLst>
       <p:ext uri="{BB962C8B-B14F-4D97-AF65-F5344CB8AC3E}">
         <p14:creationId xmlns:p14="http://schemas.microsoft.com/office/powerpoint/2010/main" val="716112727"/>
+      </p:ext>
+    </p:extLst>
+  </p:cSld>
+  <p:clrMapOvr>
+    <a:masterClrMapping/>
+  </p:clrMapOvr>
+</p:sld>
+</file>
+
+<file path=ppt/slides/slide4.xml><?xml version="1.0" encoding="utf-8"?>
+<p:sld xmlns:a="http://schemas.openxmlformats.org/drawingml/2006/main" xmlns:r="http://schemas.openxmlformats.org/officeDocument/2006/relationships" xmlns:p="http://schemas.openxmlformats.org/presentationml/2006/main">
+  <p:cSld>
+    <p:spTree>
+      <p:nvGrpSpPr>
+        <p:cNvPr id="1" name=""/>
+        <p:cNvGrpSpPr/>
+        <p:nvPr/>
+      </p:nvGrpSpPr>
+      <p:grpSpPr>
+        <a:xfrm>
+          <a:off x="0" y="0"/>
+          <a:ext cx="0" cy="0"/>
+          <a:chOff x="0" y="0"/>
+          <a:chExt cx="0" cy="0"/>
+        </a:xfrm>
+      </p:grpSpPr>
+      <p:sp>
+        <p:nvSpPr>
+          <p:cNvPr id="2" name="Title 1">
+            <a:extLst>
+              <a:ext uri="{FF2B5EF4-FFF2-40B4-BE49-F238E27FC236}">
+                <a16:creationId xmlns:a16="http://schemas.microsoft.com/office/drawing/2014/main" id="{3684EFE3-3F0B-4D1B-BD02-9E7D3F250B9B}"/>
+              </a:ext>
+            </a:extLst>
+          </p:cNvPr>
+          <p:cNvSpPr>
+            <a:spLocks noGrp="1"/>
+          </p:cNvSpPr>
+          <p:nvPr>
+            <p:ph type="ctrTitle"/>
+          </p:nvPr>
+        </p:nvSpPr>
+        <p:spPr>
+          <a:xfrm>
+            <a:off x="1154955" y="1219200"/>
+            <a:ext cx="9738332" cy="3207026"/>
+          </a:xfrm>
+        </p:spPr>
+        <p:txBody>
+          <a:bodyPr/>
+          <a:lstStyle/>
+          <a:p>
+            <a:pPr algn="ctr"/>
+            <a:r>
+              <a:rPr lang="en-US" dirty="0" err="1"/>
+              <a:t>Módulo</a:t>
+            </a:r>
+            <a:r>
+              <a:rPr lang="en-US" dirty="0"/>
+              <a:t> 4 </a:t>
+            </a:r>
+            <a:br>
+              <a:rPr lang="en-US" dirty="0"/>
+            </a:br>
+            <a:r>
+              <a:rPr lang="en-US" dirty="0"/>
+              <a:t>El </a:t>
+            </a:r>
+            <a:r>
+              <a:rPr lang="en-US" dirty="0" err="1"/>
+              <a:t>Pantallazo</a:t>
+            </a:r>
+            <a:r>
+              <a:rPr lang="en-US" dirty="0"/>
+              <a:t> de Machine Learning</a:t>
+            </a:r>
+            <a:endParaRPr lang="en-US" sz="2200" dirty="0"/>
+          </a:p>
+        </p:txBody>
+      </p:sp>
+    </p:spTree>
+    <p:extLst>
+      <p:ext uri="{BB962C8B-B14F-4D97-AF65-F5344CB8AC3E}">
+        <p14:creationId xmlns:p14="http://schemas.microsoft.com/office/powerpoint/2010/main" val="705988609"/>
       </p:ext>
     </p:extLst>
   </p:cSld>
